--- a/architecture.pptx
+++ b/architecture.pptx
@@ -104,6 +104,11 @@
       </a:defRPr>
     </a:lvl9pPr>
   </p:defaultTextStyle>
+  <p:extLst>
+    <p:ext uri="{EFAFB233-063F-42B5-8137-9DF3F51BA10A}">
+      <p15:sldGuideLst xmlns:p15="http://schemas.microsoft.com/office/powerpoint/2012/main"/>
+    </p:ext>
+  </p:extLst>
 </p:presentation>
 </file>
 
@@ -256,7 +261,7 @@
           <a:p>
             <a:fld id="{3A179567-F04B-4258-BEA3-8229EE6476CE}" type="datetimeFigureOut">
               <a:rPr lang="en-GB" smtClean="0"/>
-              <a:t>28/04/2023</a:t>
+              <a:t>04/05/2023</a:t>
             </a:fld>
             <a:endParaRPr lang="en-GB"/>
           </a:p>
@@ -456,7 +461,7 @@
           <a:p>
             <a:fld id="{3A179567-F04B-4258-BEA3-8229EE6476CE}" type="datetimeFigureOut">
               <a:rPr lang="en-GB" smtClean="0"/>
-              <a:t>28/04/2023</a:t>
+              <a:t>04/05/2023</a:t>
             </a:fld>
             <a:endParaRPr lang="en-GB"/>
           </a:p>
@@ -666,7 +671,7 @@
           <a:p>
             <a:fld id="{3A179567-F04B-4258-BEA3-8229EE6476CE}" type="datetimeFigureOut">
               <a:rPr lang="en-GB" smtClean="0"/>
-              <a:t>28/04/2023</a:t>
+              <a:t>04/05/2023</a:t>
             </a:fld>
             <a:endParaRPr lang="en-GB"/>
           </a:p>
@@ -866,7 +871,7 @@
           <a:p>
             <a:fld id="{3A179567-F04B-4258-BEA3-8229EE6476CE}" type="datetimeFigureOut">
               <a:rPr lang="en-GB" smtClean="0"/>
-              <a:t>28/04/2023</a:t>
+              <a:t>04/05/2023</a:t>
             </a:fld>
             <a:endParaRPr lang="en-GB"/>
           </a:p>
@@ -1142,7 +1147,7 @@
           <a:p>
             <a:fld id="{3A179567-F04B-4258-BEA3-8229EE6476CE}" type="datetimeFigureOut">
               <a:rPr lang="en-GB" smtClean="0"/>
-              <a:t>28/04/2023</a:t>
+              <a:t>04/05/2023</a:t>
             </a:fld>
             <a:endParaRPr lang="en-GB"/>
           </a:p>
@@ -1410,7 +1415,7 @@
           <a:p>
             <a:fld id="{3A179567-F04B-4258-BEA3-8229EE6476CE}" type="datetimeFigureOut">
               <a:rPr lang="en-GB" smtClean="0"/>
-              <a:t>28/04/2023</a:t>
+              <a:t>04/05/2023</a:t>
             </a:fld>
             <a:endParaRPr lang="en-GB"/>
           </a:p>
@@ -1825,7 +1830,7 @@
           <a:p>
             <a:fld id="{3A179567-F04B-4258-BEA3-8229EE6476CE}" type="datetimeFigureOut">
               <a:rPr lang="en-GB" smtClean="0"/>
-              <a:t>28/04/2023</a:t>
+              <a:t>04/05/2023</a:t>
             </a:fld>
             <a:endParaRPr lang="en-GB"/>
           </a:p>
@@ -1967,7 +1972,7 @@
           <a:p>
             <a:fld id="{3A179567-F04B-4258-BEA3-8229EE6476CE}" type="datetimeFigureOut">
               <a:rPr lang="en-GB" smtClean="0"/>
-              <a:t>28/04/2023</a:t>
+              <a:t>04/05/2023</a:t>
             </a:fld>
             <a:endParaRPr lang="en-GB"/>
           </a:p>
@@ -2080,7 +2085,7 @@
           <a:p>
             <a:fld id="{3A179567-F04B-4258-BEA3-8229EE6476CE}" type="datetimeFigureOut">
               <a:rPr lang="en-GB" smtClean="0"/>
-              <a:t>28/04/2023</a:t>
+              <a:t>04/05/2023</a:t>
             </a:fld>
             <a:endParaRPr lang="en-GB"/>
           </a:p>
@@ -2393,7 +2398,7 @@
           <a:p>
             <a:fld id="{3A179567-F04B-4258-BEA3-8229EE6476CE}" type="datetimeFigureOut">
               <a:rPr lang="en-GB" smtClean="0"/>
-              <a:t>28/04/2023</a:t>
+              <a:t>04/05/2023</a:t>
             </a:fld>
             <a:endParaRPr lang="en-GB"/>
           </a:p>
@@ -2682,7 +2687,7 @@
           <a:p>
             <a:fld id="{3A179567-F04B-4258-BEA3-8229EE6476CE}" type="datetimeFigureOut">
               <a:rPr lang="en-GB" smtClean="0"/>
-              <a:t>28/04/2023</a:t>
+              <a:t>04/05/2023</a:t>
             </a:fld>
             <a:endParaRPr lang="en-GB"/>
           </a:p>
@@ -2925,7 +2930,7 @@
           <a:p>
             <a:fld id="{3A179567-F04B-4258-BEA3-8229EE6476CE}" type="datetimeFigureOut">
               <a:rPr lang="en-GB" smtClean="0"/>
-              <a:t>28/04/2023</a:t>
+              <a:t>04/05/2023</a:t>
             </a:fld>
             <a:endParaRPr lang="en-GB"/>
           </a:p>
@@ -3356,8 +3361,8 @@
         </p:nvSpPr>
         <p:spPr>
           <a:xfrm>
-            <a:off x="904724" y="1798448"/>
-            <a:ext cx="1527142" cy="954107"/>
+            <a:off x="945576" y="1506160"/>
+            <a:ext cx="1527142" cy="1169551"/>
           </a:xfrm>
           <a:prstGeom prst="rect">
             <a:avLst/>
@@ -3382,17 +3387,16 @@
           <a:p>
             <a:pPr algn="ctr"/>
             <a:r>
+              <a:rPr lang="en-US" sz="1400" dirty="0"/>
+              <a:t>U.S. Energy Information Administration (EIA)</a:t>
+            </a:r>
+          </a:p>
+          <a:p>
+            <a:pPr algn="ctr"/>
+            <a:r>
               <a:rPr lang="en-GB" sz="1400" dirty="0"/>
-              <a:t>College Scorecard website</a:t>
-            </a:r>
-          </a:p>
-          <a:p>
-            <a:pPr algn="ctr"/>
-            <a:endParaRPr lang="en-GB" sz="1400" dirty="0"/>
-          </a:p>
-          <a:p>
-            <a:pPr algn="ctr"/>
-            <a:endParaRPr lang="en-GB" sz="1400" dirty="0"/>
+              <a:t>website</a:t>
+            </a:r>
           </a:p>
         </p:txBody>
       </p:sp>
@@ -3410,8 +3414,8 @@
         </p:nvSpPr>
         <p:spPr>
           <a:xfrm>
-            <a:off x="2901035" y="571683"/>
-            <a:ext cx="6031698" cy="461665"/>
+            <a:off x="460023" y="398904"/>
+            <a:ext cx="11111721" cy="461665"/>
           </a:xfrm>
           <a:prstGeom prst="rect">
             <a:avLst/>
@@ -3431,7 +3435,7 @@
             <a:pPr algn="ctr"/>
             <a:r>
               <a:rPr lang="en-GB" sz="2400" dirty="0"/>
-              <a:t>College Scorecard - Data Pipeline Architecture</a:t>
+              <a:t>Data Pipeline Architecture</a:t>
             </a:r>
           </a:p>
         </p:txBody>
